--- a/331-HTTP 통신/331-3.XMLHttpRequest.pptx
+++ b/331-HTTP 통신/331-3.XMLHttpRequest.pptx
@@ -284,7 +284,7 @@
           <a:p>
             <a:fld id="{0D5541F3-0D1B-4C6A-8068-CDB642DF03B4}" type="datetimeFigureOut">
               <a:rPr lang="ko-KR" altLang="en-US" smtClean="0"/>
-              <a:t>2023-05-29</a:t>
+              <a:t>2023-05-30</a:t>
             </a:fld>
             <a:endParaRPr lang="ko-KR" altLang="en-US"/>
           </a:p>
@@ -482,7 +482,7 @@
           <a:p>
             <a:fld id="{0D5541F3-0D1B-4C6A-8068-CDB642DF03B4}" type="datetimeFigureOut">
               <a:rPr lang="ko-KR" altLang="en-US" smtClean="0"/>
-              <a:t>2023-05-29</a:t>
+              <a:t>2023-05-30</a:t>
             </a:fld>
             <a:endParaRPr lang="ko-KR" altLang="en-US"/>
           </a:p>
@@ -690,7 +690,7 @@
           <a:p>
             <a:fld id="{0D5541F3-0D1B-4C6A-8068-CDB642DF03B4}" type="datetimeFigureOut">
               <a:rPr lang="ko-KR" altLang="en-US" smtClean="0"/>
-              <a:t>2023-05-29</a:t>
+              <a:t>2023-05-30</a:t>
             </a:fld>
             <a:endParaRPr lang="ko-KR" altLang="en-US"/>
           </a:p>
@@ -888,7 +888,7 @@
           <a:p>
             <a:fld id="{0D5541F3-0D1B-4C6A-8068-CDB642DF03B4}" type="datetimeFigureOut">
               <a:rPr lang="ko-KR" altLang="en-US" smtClean="0"/>
-              <a:t>2023-05-29</a:t>
+              <a:t>2023-05-30</a:t>
             </a:fld>
             <a:endParaRPr lang="ko-KR" altLang="en-US"/>
           </a:p>
@@ -1163,7 +1163,7 @@
           <a:p>
             <a:fld id="{0D5541F3-0D1B-4C6A-8068-CDB642DF03B4}" type="datetimeFigureOut">
               <a:rPr lang="ko-KR" altLang="en-US" smtClean="0"/>
-              <a:t>2023-05-29</a:t>
+              <a:t>2023-05-30</a:t>
             </a:fld>
             <a:endParaRPr lang="ko-KR" altLang="en-US"/>
           </a:p>
@@ -1428,7 +1428,7 @@
           <a:p>
             <a:fld id="{0D5541F3-0D1B-4C6A-8068-CDB642DF03B4}" type="datetimeFigureOut">
               <a:rPr lang="ko-KR" altLang="en-US" smtClean="0"/>
-              <a:t>2023-05-29</a:t>
+              <a:t>2023-05-30</a:t>
             </a:fld>
             <a:endParaRPr lang="ko-KR" altLang="en-US"/>
           </a:p>
@@ -1840,7 +1840,7 @@
           <a:p>
             <a:fld id="{0D5541F3-0D1B-4C6A-8068-CDB642DF03B4}" type="datetimeFigureOut">
               <a:rPr lang="ko-KR" altLang="en-US" smtClean="0"/>
-              <a:t>2023-05-29</a:t>
+              <a:t>2023-05-30</a:t>
             </a:fld>
             <a:endParaRPr lang="ko-KR" altLang="en-US"/>
           </a:p>
@@ -1981,7 +1981,7 @@
           <a:p>
             <a:fld id="{0D5541F3-0D1B-4C6A-8068-CDB642DF03B4}" type="datetimeFigureOut">
               <a:rPr lang="ko-KR" altLang="en-US" smtClean="0"/>
-              <a:t>2023-05-29</a:t>
+              <a:t>2023-05-30</a:t>
             </a:fld>
             <a:endParaRPr lang="ko-KR" altLang="en-US"/>
           </a:p>
@@ -2094,7 +2094,7 @@
           <a:p>
             <a:fld id="{0D5541F3-0D1B-4C6A-8068-CDB642DF03B4}" type="datetimeFigureOut">
               <a:rPr lang="ko-KR" altLang="en-US" smtClean="0"/>
-              <a:t>2023-05-29</a:t>
+              <a:t>2023-05-30</a:t>
             </a:fld>
             <a:endParaRPr lang="ko-KR" altLang="en-US"/>
           </a:p>
@@ -2405,7 +2405,7 @@
           <a:p>
             <a:fld id="{0D5541F3-0D1B-4C6A-8068-CDB642DF03B4}" type="datetimeFigureOut">
               <a:rPr lang="ko-KR" altLang="en-US" smtClean="0"/>
-              <a:t>2023-05-29</a:t>
+              <a:t>2023-05-30</a:t>
             </a:fld>
             <a:endParaRPr lang="ko-KR" altLang="en-US"/>
           </a:p>
@@ -2693,7 +2693,7 @@
           <a:p>
             <a:fld id="{0D5541F3-0D1B-4C6A-8068-CDB642DF03B4}" type="datetimeFigureOut">
               <a:rPr lang="ko-KR" altLang="en-US" smtClean="0"/>
-              <a:t>2023-05-29</a:t>
+              <a:t>2023-05-30</a:t>
             </a:fld>
             <a:endParaRPr lang="ko-KR" altLang="en-US"/>
           </a:p>
@@ -2934,7 +2934,7 @@
           <a:p>
             <a:fld id="{0D5541F3-0D1B-4C6A-8068-CDB642DF03B4}" type="datetimeFigureOut">
               <a:rPr lang="ko-KR" altLang="en-US" smtClean="0"/>
-              <a:t>2023-05-29</a:t>
+              <a:t>2023-05-30</a:t>
             </a:fld>
             <a:endParaRPr lang="ko-KR" altLang="en-US"/>
           </a:p>
@@ -4219,7 +4219,13 @@
           <p:cNvGraphicFramePr>
             <a:graphicFrameLocks noGrp="1"/>
           </p:cNvGraphicFramePr>
-          <p:nvPr/>
+          <p:nvPr>
+            <p:extLst>
+              <p:ext uri="{D42A27DB-BD31-4B8C-83A1-F6EECF244321}">
+                <p14:modId xmlns:p14="http://schemas.microsoft.com/office/powerpoint/2010/main" val="993190599"/>
+              </p:ext>
+            </p:extLst>
+          </p:nvPr>
         </p:nvGraphicFramePr>
         <p:xfrm>
           <a:off x="699378" y="2100944"/>
@@ -4508,12 +4514,18 @@
                     <a:p>
                       <a:pPr algn="ctr"/>
                       <a:r>
-                        <a:rPr lang="ko-KR" sz="1600" kern="100" dirty="0">
+                        <a:rPr lang="ko-KR" sz="1600" b="1" kern="100" dirty="0">
+                          <a:solidFill>
+                            <a:srgbClr val="FF0000"/>
+                          </a:solidFill>
                           <a:effectLst/>
                         </a:rPr>
                         <a:t>4</a:t>
                       </a:r>
-                      <a:endParaRPr lang="ko-KR" sz="1600" kern="100" dirty="0">
+                      <a:endParaRPr lang="ko-KR" sz="1600" b="1" kern="100" dirty="0">
+                        <a:solidFill>
+                          <a:srgbClr val="FF0000"/>
+                        </a:solidFill>
                         <a:effectLst/>
                         <a:latin typeface="맑은 고딕" panose="020B0503020000020004" pitchFamily="50" charset="-127"/>
                         <a:ea typeface="맑은 고딕" panose="020B0503020000020004" pitchFamily="50" charset="-127"/>
@@ -4530,12 +4542,18 @@
                     <a:p>
                       <a:pPr algn="l"/>
                       <a:r>
-                        <a:rPr lang="ko-KR" sz="1600" kern="100" dirty="0">
+                        <a:rPr lang="ko-KR" sz="1600" b="1" kern="100" dirty="0">
+                          <a:solidFill>
+                            <a:srgbClr val="FF0000"/>
+                          </a:solidFill>
                           <a:effectLst/>
                         </a:rPr>
                         <a:t>자료 처리가 끝나서 프로그램에서 사용할 수 있는 상태입니다. </a:t>
                       </a:r>
-                      <a:endParaRPr lang="ko-KR" sz="1600" kern="100" dirty="0">
+                      <a:endParaRPr lang="ko-KR" sz="1600" b="1" kern="100" dirty="0">
+                        <a:solidFill>
+                          <a:srgbClr val="FF0000"/>
+                        </a:solidFill>
                         <a:effectLst/>
                         <a:latin typeface="맑은 고딕" panose="020B0503020000020004" pitchFamily="50" charset="-127"/>
                         <a:ea typeface="맑은 고딕" panose="020B0503020000020004" pitchFamily="50" charset="-127"/>
